--- a/CDBM/Team Assignment 01/Team02-edit-new.pptx
+++ b/CDBM/Team Assignment 01/Team02-edit-new.pptx
@@ -38,13 +38,13 @@
     <p:sldId id="325" r:id="rId29"/>
     <p:sldId id="322" r:id="rId30"/>
     <p:sldId id="323" r:id="rId31"/>
-    <p:sldId id="327" r:id="rId32"/>
-    <p:sldId id="333" r:id="rId33"/>
-    <p:sldId id="329" r:id="rId34"/>
-    <p:sldId id="330" r:id="rId35"/>
-    <p:sldId id="331" r:id="rId36"/>
-    <p:sldId id="332" r:id="rId37"/>
-    <p:sldId id="324" r:id="rId38"/>
+    <p:sldId id="334" r:id="rId32"/>
+    <p:sldId id="327" r:id="rId33"/>
+    <p:sldId id="333" r:id="rId34"/>
+    <p:sldId id="329" r:id="rId35"/>
+    <p:sldId id="330" r:id="rId36"/>
+    <p:sldId id="331" r:id="rId37"/>
+    <p:sldId id="332" r:id="rId38"/>
     <p:sldId id="288" r:id="rId39"/>
     <p:sldId id="298" r:id="rId40"/>
     <p:sldId id="299" r:id="rId41"/>
@@ -150,7 +150,7 @@
   </p:defaultTextStyle>
   <p:extLst>
     <p:ext uri="{EFAFB233-063F-42B5-8137-9DF3F51BA10A}">
-      <p15:sldGuideLst xmlns="" xmlns:p15="http://schemas.microsoft.com/office/powerpoint/2012/main">
+      <p15:sldGuideLst xmlns:p15="http://schemas.microsoft.com/office/powerpoint/2012/main" xmlns="">
         <p15:guide id="1" orient="horz" pos="1800" userDrawn="1">
           <p15:clr>
             <a:srgbClr val="A4A3A4"/>
@@ -665,6 +665,184 @@
           <a:bodyPr/>
           <a:lstStyle/>
           <a:p>
+            <a:pPr lvl="0"/>
+            <a:r>
+              <a:rPr lang="vi-VN" sz="1200" kern="1200" dirty="0" smtClean="0">
+                <a:solidFill>
+                  <a:schemeClr val="tx1"/>
+                </a:solidFill>
+                <a:effectLst/>
+                <a:latin typeface="+mn-lt"/>
+                <a:ea typeface="+mn-ea"/>
+                <a:cs typeface="+mn-cs"/>
+              </a:rPr>
+              <a:t>Mật khẩu người dùng được chuyển đổi thành tất cả các ký tự in hoa.</a:t>
+            </a:r>
+            <a:endParaRPr lang="en-US" sz="1200" kern="1200" dirty="0" smtClean="0">
+              <a:solidFill>
+                <a:schemeClr val="tx1"/>
+              </a:solidFill>
+              <a:effectLst/>
+              <a:latin typeface="+mn-lt"/>
+              <a:ea typeface="+mn-ea"/>
+              <a:cs typeface="+mn-cs"/>
+            </a:endParaRPr>
+          </a:p>
+          <a:p>
+            <a:pPr lvl="0"/>
+            <a:r>
+              <a:rPr lang="vi-VN" sz="1200" kern="1200" dirty="0" smtClean="0">
+                <a:solidFill>
+                  <a:schemeClr val="tx1"/>
+                </a:solidFill>
+                <a:effectLst/>
+                <a:latin typeface="+mn-lt"/>
+                <a:ea typeface="+mn-ea"/>
+                <a:cs typeface="+mn-cs"/>
+              </a:rPr>
+              <a:t>Mật khẩu được bổ sung thêm các ký tự 0 vào cho tới khi có đủ 14 ký tự.</a:t>
+            </a:r>
+            <a:endParaRPr lang="en-US" sz="1200" kern="1200" dirty="0" smtClean="0">
+              <a:solidFill>
+                <a:schemeClr val="tx1"/>
+              </a:solidFill>
+              <a:effectLst/>
+              <a:latin typeface="+mn-lt"/>
+              <a:ea typeface="+mn-ea"/>
+              <a:cs typeface="+mn-cs"/>
+            </a:endParaRPr>
+          </a:p>
+          <a:p>
+            <a:pPr lvl="0"/>
+            <a:r>
+              <a:rPr lang="vi-VN" sz="1200" kern="1200" dirty="0" smtClean="0">
+                <a:solidFill>
+                  <a:schemeClr val="tx1"/>
+                </a:solidFill>
+                <a:effectLst/>
+                <a:latin typeface="+mn-lt"/>
+                <a:ea typeface="+mn-ea"/>
+                <a:cs typeface="+mn-cs"/>
+              </a:rPr>
+              <a:t>Mật khẩu mới được chia thành hai hash có 7 ký tự.</a:t>
+            </a:r>
+            <a:endParaRPr lang="en-US" sz="1200" kern="1200" dirty="0" smtClean="0">
+              <a:solidFill>
+                <a:schemeClr val="tx1"/>
+              </a:solidFill>
+              <a:effectLst/>
+              <a:latin typeface="+mn-lt"/>
+              <a:ea typeface="+mn-ea"/>
+              <a:cs typeface="+mn-cs"/>
+            </a:endParaRPr>
+          </a:p>
+          <a:p>
+            <a:pPr lvl="0"/>
+            <a:r>
+              <a:rPr lang="vi-VN" sz="1200" kern="1200" dirty="0" smtClean="0">
+                <a:solidFill>
+                  <a:schemeClr val="tx1"/>
+                </a:solidFill>
+                <a:effectLst/>
+                <a:latin typeface="+mn-lt"/>
+                <a:ea typeface="+mn-ea"/>
+                <a:cs typeface="+mn-cs"/>
+              </a:rPr>
+              <a:t>Các giá trị này được sử dụng để tạo hai khóa mã hóa DES, mỗi nửa đều được thêm vào một bit chẵn lẻ để tạo các khóa 64 bit.</a:t>
+            </a:r>
+            <a:endParaRPr lang="en-US" sz="1200" kern="1200" dirty="0" smtClean="0">
+              <a:solidFill>
+                <a:schemeClr val="tx1"/>
+              </a:solidFill>
+              <a:effectLst/>
+              <a:latin typeface="+mn-lt"/>
+              <a:ea typeface="+mn-ea"/>
+              <a:cs typeface="+mn-cs"/>
+            </a:endParaRPr>
+          </a:p>
+          <a:p>
+            <a:pPr lvl="0"/>
+            <a:r>
+              <a:rPr lang="vi-VN" sz="1200" kern="1200" dirty="0" smtClean="0">
+                <a:solidFill>
+                  <a:schemeClr val="tx1"/>
+                </a:solidFill>
+                <a:effectLst/>
+                <a:latin typeface="+mn-lt"/>
+                <a:ea typeface="+mn-ea"/>
+                <a:cs typeface="+mn-cs"/>
+              </a:rPr>
+              <a:t>Mỗi khóa DES sẽ được sử dụng để mã hóa một chuỗi ASCII định sẵn (KGS!@#$%), cho kết quả ra trong hai chuỗi văn bản mật 8-byte.</a:t>
+            </a:r>
+            <a:endParaRPr lang="en-US" sz="1200" kern="1200" dirty="0" smtClean="0">
+              <a:solidFill>
+                <a:schemeClr val="tx1"/>
+              </a:solidFill>
+              <a:effectLst/>
+              <a:latin typeface="+mn-lt"/>
+              <a:ea typeface="+mn-ea"/>
+              <a:cs typeface="+mn-cs"/>
+            </a:endParaRPr>
+          </a:p>
+          <a:p>
+            <a:pPr lvl="0"/>
+            <a:r>
+              <a:rPr lang="vi-VN" sz="1200" kern="1200" dirty="0" smtClean="0">
+                <a:solidFill>
+                  <a:schemeClr val="tx1"/>
+                </a:solidFill>
+                <a:effectLst/>
+                <a:latin typeface="+mn-lt"/>
+                <a:ea typeface="+mn-ea"/>
+                <a:cs typeface="+mn-cs"/>
+              </a:rPr>
+              <a:t>Hai chuỗi văn bản mật 8-byte này sẽ được kết hợp để tạo thành một giá trị 16-byte, giá trị này chính là một hash LM hoàn chỉnh.</a:t>
+            </a:r>
+            <a:endParaRPr lang="en-US" sz="1200" kern="1200" dirty="0" smtClean="0">
+              <a:solidFill>
+                <a:schemeClr val="tx1"/>
+              </a:solidFill>
+              <a:effectLst/>
+              <a:latin typeface="+mn-lt"/>
+              <a:ea typeface="+mn-ea"/>
+              <a:cs typeface="+mn-cs"/>
+            </a:endParaRPr>
+          </a:p>
+          <a:p>
+            <a:r>
+              <a:rPr lang="en-US" dirty="0" smtClean="0"/>
+              <a:t>-------------------</a:t>
+            </a:r>
+          </a:p>
+          <a:p>
+            <a:r>
+              <a:rPr lang="vi-VN" dirty="0" smtClean="0"/>
+              <a:t>Nhược điểm đầu tiên cần kể đến là sự mã hóa ở đây dựa vào Data Encyrption Standard (DES)</a:t>
+            </a:r>
+          </a:p>
+          <a:p>
+            <a:r>
+              <a:rPr lang="vi-VN" dirty="0" smtClean="0"/>
+              <a:t>những năm 70</a:t>
+            </a:r>
+          </a:p>
+          <a:p>
+            <a:r>
+              <a:rPr lang="vi-VN" dirty="0" smtClean="0"/>
+              <a:t>kích thước key 56-bit</a:t>
+            </a:r>
+          </a:p>
+          <a:p>
+            <a:r>
+              <a:rPr lang="vi-VN" dirty="0" smtClean="0"/>
+              <a:t>1998 crack trong 23h</a:t>
+            </a:r>
+          </a:p>
+          <a:p>
+            <a:r>
+              <a:rPr lang="vi-VN" dirty="0" smtClean="0"/>
+              <a:t>MD4 được coi là mạnh hơn đáng kể so với DES vì nó cho phép mật khẩu có chiều dài dài hơn, có sự phân biệt giữa các ký tự in thường và in hoa, không chia mật khẩu thành các phần nhỏ hơn (điều tạo sự dễ dàng trong việc crack).</a:t>
+            </a:r>
             <a:endParaRPr lang="en-US" dirty="0"/>
           </a:p>
         </p:txBody>
@@ -695,7 +873,7 @@
     </p:spTree>
     <p:extLst>
       <p:ext uri="{BB962C8B-B14F-4D97-AF65-F5344CB8AC3E}">
-        <p14:creationId xmlns:p14="http://schemas.microsoft.com/office/powerpoint/2010/main" val="1139021386"/>
+        <p14:creationId xmlns:p14="http://schemas.microsoft.com/office/powerpoint/2010/main" val="2232199578"/>
       </p:ext>
     </p:extLst>
   </p:cSld>
@@ -2780,184 +2958,6 @@
           <a:bodyPr/>
           <a:lstStyle/>
           <a:p>
-            <a:pPr lvl="0"/>
-            <a:r>
-              <a:rPr lang="vi-VN" sz="1200" kern="1200" dirty="0" smtClean="0">
-                <a:solidFill>
-                  <a:schemeClr val="tx1"/>
-                </a:solidFill>
-                <a:effectLst/>
-                <a:latin typeface="+mn-lt"/>
-                <a:ea typeface="+mn-ea"/>
-                <a:cs typeface="+mn-cs"/>
-              </a:rPr>
-              <a:t>Mật khẩu người dùng được chuyển đổi thành tất cả các ký tự in hoa.</a:t>
-            </a:r>
-            <a:endParaRPr lang="en-US" sz="1200" kern="1200" dirty="0" smtClean="0">
-              <a:solidFill>
-                <a:schemeClr val="tx1"/>
-              </a:solidFill>
-              <a:effectLst/>
-              <a:latin typeface="+mn-lt"/>
-              <a:ea typeface="+mn-ea"/>
-              <a:cs typeface="+mn-cs"/>
-            </a:endParaRPr>
-          </a:p>
-          <a:p>
-            <a:pPr lvl="0"/>
-            <a:r>
-              <a:rPr lang="vi-VN" sz="1200" kern="1200" dirty="0" smtClean="0">
-                <a:solidFill>
-                  <a:schemeClr val="tx1"/>
-                </a:solidFill>
-                <a:effectLst/>
-                <a:latin typeface="+mn-lt"/>
-                <a:ea typeface="+mn-ea"/>
-                <a:cs typeface="+mn-cs"/>
-              </a:rPr>
-              <a:t>Mật khẩu được bổ sung thêm các ký tự 0 vào cho tới khi có đủ 14 ký tự.</a:t>
-            </a:r>
-            <a:endParaRPr lang="en-US" sz="1200" kern="1200" dirty="0" smtClean="0">
-              <a:solidFill>
-                <a:schemeClr val="tx1"/>
-              </a:solidFill>
-              <a:effectLst/>
-              <a:latin typeface="+mn-lt"/>
-              <a:ea typeface="+mn-ea"/>
-              <a:cs typeface="+mn-cs"/>
-            </a:endParaRPr>
-          </a:p>
-          <a:p>
-            <a:pPr lvl="0"/>
-            <a:r>
-              <a:rPr lang="vi-VN" sz="1200" kern="1200" dirty="0" smtClean="0">
-                <a:solidFill>
-                  <a:schemeClr val="tx1"/>
-                </a:solidFill>
-                <a:effectLst/>
-                <a:latin typeface="+mn-lt"/>
-                <a:ea typeface="+mn-ea"/>
-                <a:cs typeface="+mn-cs"/>
-              </a:rPr>
-              <a:t>Mật khẩu mới được chia thành hai hash có 7 ký tự.</a:t>
-            </a:r>
-            <a:endParaRPr lang="en-US" sz="1200" kern="1200" dirty="0" smtClean="0">
-              <a:solidFill>
-                <a:schemeClr val="tx1"/>
-              </a:solidFill>
-              <a:effectLst/>
-              <a:latin typeface="+mn-lt"/>
-              <a:ea typeface="+mn-ea"/>
-              <a:cs typeface="+mn-cs"/>
-            </a:endParaRPr>
-          </a:p>
-          <a:p>
-            <a:pPr lvl="0"/>
-            <a:r>
-              <a:rPr lang="vi-VN" sz="1200" kern="1200" dirty="0" smtClean="0">
-                <a:solidFill>
-                  <a:schemeClr val="tx1"/>
-                </a:solidFill>
-                <a:effectLst/>
-                <a:latin typeface="+mn-lt"/>
-                <a:ea typeface="+mn-ea"/>
-                <a:cs typeface="+mn-cs"/>
-              </a:rPr>
-              <a:t>Các giá trị này được sử dụng để tạo hai khóa mã hóa DES, mỗi nửa đều được thêm vào một bit chẵn lẻ để tạo các khóa 64 bit.</a:t>
-            </a:r>
-            <a:endParaRPr lang="en-US" sz="1200" kern="1200" dirty="0" smtClean="0">
-              <a:solidFill>
-                <a:schemeClr val="tx1"/>
-              </a:solidFill>
-              <a:effectLst/>
-              <a:latin typeface="+mn-lt"/>
-              <a:ea typeface="+mn-ea"/>
-              <a:cs typeface="+mn-cs"/>
-            </a:endParaRPr>
-          </a:p>
-          <a:p>
-            <a:pPr lvl="0"/>
-            <a:r>
-              <a:rPr lang="vi-VN" sz="1200" kern="1200" dirty="0" smtClean="0">
-                <a:solidFill>
-                  <a:schemeClr val="tx1"/>
-                </a:solidFill>
-                <a:effectLst/>
-                <a:latin typeface="+mn-lt"/>
-                <a:ea typeface="+mn-ea"/>
-                <a:cs typeface="+mn-cs"/>
-              </a:rPr>
-              <a:t>Mỗi khóa DES sẽ được sử dụng để mã hóa một chuỗi ASCII định sẵn (KGS!@#$%), cho kết quả ra trong hai chuỗi văn bản mật 8-byte.</a:t>
-            </a:r>
-            <a:endParaRPr lang="en-US" sz="1200" kern="1200" dirty="0" smtClean="0">
-              <a:solidFill>
-                <a:schemeClr val="tx1"/>
-              </a:solidFill>
-              <a:effectLst/>
-              <a:latin typeface="+mn-lt"/>
-              <a:ea typeface="+mn-ea"/>
-              <a:cs typeface="+mn-cs"/>
-            </a:endParaRPr>
-          </a:p>
-          <a:p>
-            <a:pPr lvl="0"/>
-            <a:r>
-              <a:rPr lang="vi-VN" sz="1200" kern="1200" dirty="0" smtClean="0">
-                <a:solidFill>
-                  <a:schemeClr val="tx1"/>
-                </a:solidFill>
-                <a:effectLst/>
-                <a:latin typeface="+mn-lt"/>
-                <a:ea typeface="+mn-ea"/>
-                <a:cs typeface="+mn-cs"/>
-              </a:rPr>
-              <a:t>Hai chuỗi văn bản mật 8-byte này sẽ được kết hợp để tạo thành một giá trị 16-byte, giá trị này chính là một hash LM hoàn chỉnh.</a:t>
-            </a:r>
-            <a:endParaRPr lang="en-US" sz="1200" kern="1200" dirty="0" smtClean="0">
-              <a:solidFill>
-                <a:schemeClr val="tx1"/>
-              </a:solidFill>
-              <a:effectLst/>
-              <a:latin typeface="+mn-lt"/>
-              <a:ea typeface="+mn-ea"/>
-              <a:cs typeface="+mn-cs"/>
-            </a:endParaRPr>
-          </a:p>
-          <a:p>
-            <a:r>
-              <a:rPr lang="en-US" dirty="0" smtClean="0"/>
-              <a:t>-------------------</a:t>
-            </a:r>
-          </a:p>
-          <a:p>
-            <a:r>
-              <a:rPr lang="vi-VN" dirty="0" smtClean="0"/>
-              <a:t>Nhược điểm đầu tiên cần kể đến là sự mã hóa ở đây dựa vào Data Encyrption Standard (DES)</a:t>
-            </a:r>
-          </a:p>
-          <a:p>
-            <a:r>
-              <a:rPr lang="vi-VN" dirty="0" smtClean="0"/>
-              <a:t>những năm 70</a:t>
-            </a:r>
-          </a:p>
-          <a:p>
-            <a:r>
-              <a:rPr lang="vi-VN" dirty="0" smtClean="0"/>
-              <a:t>kích thước key 56-bit</a:t>
-            </a:r>
-          </a:p>
-          <a:p>
-            <a:r>
-              <a:rPr lang="vi-VN" dirty="0" smtClean="0"/>
-              <a:t>1998 crack trong 23h</a:t>
-            </a:r>
-          </a:p>
-          <a:p>
-            <a:r>
-              <a:rPr lang="vi-VN" dirty="0" smtClean="0"/>
-              <a:t>MD4 được coi là mạnh hơn đáng kể so với DES vì nó cho phép mật khẩu có chiều dài dài hơn, có sự phân biệt giữa các ký tự in thường và in hoa, không chia mật khẩu thành các phần nhỏ hơn (điều tạo sự dễ dàng trong việc crack).</a:t>
-            </a:r>
             <a:endParaRPr lang="en-US" dirty="0"/>
           </a:p>
         </p:txBody>
@@ -2979,7 +2979,7 @@
           <a:p>
             <a:fld id="{FAC12B91-7657-4F21-8BE0-A3CBF37DB14A}" type="slidenum">
               <a:rPr lang="en-US" smtClean="0"/>
-              <a:t>36</a:t>
+              <a:t>31</a:t>
             </a:fld>
             <a:endParaRPr lang="en-US"/>
           </a:p>
@@ -2988,7 +2988,7 @@
     </p:spTree>
     <p:extLst>
       <p:ext uri="{BB962C8B-B14F-4D97-AF65-F5344CB8AC3E}">
-        <p14:creationId xmlns:p14="http://schemas.microsoft.com/office/powerpoint/2010/main" val="2232199578"/>
+        <p14:creationId xmlns:p14="http://schemas.microsoft.com/office/powerpoint/2010/main" val="1139021386"/>
       </p:ext>
     </p:extLst>
   </p:cSld>
@@ -12315,11 +12315,11 @@
   <p:clrMapOvr>
     <a:masterClrMapping/>
   </p:clrMapOvr>
-  <mc:AlternateContent xmlns:mc="http://schemas.openxmlformats.org/markup-compatibility/2006">
-    <mc:Choice xmlns:p14="http://schemas.microsoft.com/office/powerpoint/2010/main" Requires="p14">
+  <mc:AlternateContent xmlns:mc="http://schemas.openxmlformats.org/markup-compatibility/2006" xmlns:p14="http://schemas.microsoft.com/office/powerpoint/2010/main">
+    <mc:Choice Requires="p14">
       <p:transition p14:dur="10"/>
     </mc:Choice>
-    <mc:Fallback>
+    <mc:Fallback xmlns="">
       <p:transition/>
     </mc:Fallback>
   </mc:AlternateContent>
@@ -14504,74 +14504,116 @@
           <a:chExt cx="0" cy="0"/>
         </a:xfrm>
       </p:grpSpPr>
-      <p:sp>
-        <p:nvSpPr>
-          <p:cNvPr id="2" name="Picture Placeholder 1"/>
-          <p:cNvSpPr>
-            <a:spLocks noGrp="1"/>
-          </p:cNvSpPr>
-          <p:nvPr>
-            <p:ph type="pic" sz="quarter" idx="10"/>
-          </p:nvPr>
-        </p:nvSpPr>
-        <p:spPr/>
-      </p:sp>
-      <p:sp>
-        <p:nvSpPr>
-          <p:cNvPr id="3" name="Text Placeholder 2"/>
-          <p:cNvSpPr>
-            <a:spLocks noGrp="1"/>
-          </p:cNvSpPr>
-          <p:nvPr>
-            <p:ph type="body" sz="quarter" idx="11"/>
-          </p:nvPr>
-        </p:nvSpPr>
-        <p:spPr/>
-        <p:txBody>
-          <a:bodyPr/>
+      <p:pic>
+        <p:nvPicPr>
+          <p:cNvPr id="52228" name="Picture 4"/>
+          <p:cNvPicPr>
+            <a:picLocks noChangeAspect="1" noChangeArrowheads="1"/>
+          </p:cNvPicPr>
+          <p:nvPr/>
+        </p:nvPicPr>
+        <p:blipFill>
+          <a:blip r:embed="rId3">
+            <a:extLst>
+              <a:ext uri="{28A0092B-C50C-407E-A947-70E740481C1C}">
+                <a14:useLocalDpi xmlns:a14="http://schemas.microsoft.com/office/drawing/2010/main" val="0"/>
+              </a:ext>
+            </a:extLst>
+          </a:blip>
+          <a:srcRect/>
+          <a:stretch>
+            <a:fillRect/>
+          </a:stretch>
+        </p:blipFill>
+        <p:spPr bwMode="auto">
+          <a:xfrm>
+            <a:off x="444500" y="1206500"/>
+            <a:ext cx="6731000" cy="3862917"/>
+          </a:xfrm>
+          <a:prstGeom prst="rect">
+            <a:avLst/>
+          </a:prstGeom>
+          <a:noFill/>
+          <a:ln>
+            <a:noFill/>
+          </a:ln>
+          <a:effectLst/>
+          <a:extLst>
+            <a:ext uri="{909E8E84-426E-40DD-AFC4-6F175D3DCCD1}">
+              <a14:hiddenFill xmlns:a14="http://schemas.microsoft.com/office/drawing/2010/main">
+                <a:solidFill>
+                  <a:schemeClr val="accent1"/>
+                </a:solidFill>
+              </a14:hiddenFill>
+            </a:ext>
+            <a:ext uri="{91240B29-F687-4F45-9708-019B960494DF}">
+              <a14:hiddenLine xmlns:a14="http://schemas.microsoft.com/office/drawing/2010/main" w="9525">
+                <a:solidFill>
+                  <a:schemeClr val="tx1"/>
+                </a:solidFill>
+                <a:miter lim="800000"/>
+                <a:headEnd/>
+                <a:tailEnd/>
+              </a14:hiddenLine>
+            </a:ext>
+            <a:ext uri="{AF507438-7753-43E0-B8FC-AC1667EBCBE1}">
+              <a14:hiddenEffects xmlns:a14="http://schemas.microsoft.com/office/drawing/2010/main">
+                <a:effectLst>
+                  <a:outerShdw dist="35921" dir="2700000" algn="ctr" rotWithShape="0">
+                    <a:schemeClr val="bg2"/>
+                  </a:outerShdw>
+                </a:effectLst>
+              </a14:hiddenEffects>
+            </a:ext>
+          </a:extLst>
+        </p:spPr>
+      </p:pic>
+      <p:sp>
+        <p:nvSpPr>
+          <p:cNvPr id="5" name="Rectangle 4"/>
+          <p:cNvSpPr/>
+          <p:nvPr/>
+        </p:nvSpPr>
+        <p:spPr>
+          <a:xfrm>
+            <a:off x="0" y="137219"/>
+            <a:ext cx="6947608" cy="769441"/>
+          </a:xfrm>
+          <a:prstGeom prst="rect">
+            <a:avLst/>
+          </a:prstGeom>
+        </p:spPr>
+        <p:txBody>
+          <a:bodyPr wrap="none">
+            <a:spAutoFit/>
+          </a:bodyPr>
           <a:lstStyle/>
           <a:p>
             <a:r>
-              <a:rPr lang="en-US" dirty="0" smtClean="0"/>
-              <a:t>Demo</a:t>
-            </a:r>
-            <a:endParaRPr lang="en-US" dirty="0"/>
-          </a:p>
-        </p:txBody>
-      </p:sp>
-      <p:sp>
-        <p:nvSpPr>
-          <p:cNvPr id="4" name="Text Placeholder 3"/>
-          <p:cNvSpPr>
-            <a:spLocks noGrp="1"/>
-          </p:cNvSpPr>
-          <p:nvPr>
-            <p:ph type="body" sz="quarter" idx="12"/>
-          </p:nvPr>
-        </p:nvSpPr>
-        <p:spPr/>
-        <p:txBody>
-          <a:bodyPr/>
-          <a:lstStyle/>
-          <a:p>
-            <a:r>
-              <a:rPr lang="vi-VN" sz="3600" dirty="0" smtClean="0"/>
-              <a:t>Nguyên lý hoạt động</a:t>
-            </a:r>
-            <a:endParaRPr lang="vi-VN" sz="3600" dirty="0"/>
+              <a:rPr lang="en-US" sz="4400" b="1" dirty="0"/>
+              <a:t>Remote LSA Secrets Dumper </a:t>
+            </a:r>
           </a:p>
         </p:txBody>
       </p:sp>
     </p:spTree>
     <p:extLst>
       <p:ext uri="{BB962C8B-B14F-4D97-AF65-F5344CB8AC3E}">
-        <p14:creationId xmlns:p14="http://schemas.microsoft.com/office/powerpoint/2010/main" val="773558818"/>
+        <p14:creationId xmlns:p14="http://schemas.microsoft.com/office/powerpoint/2010/main" val="63208475"/>
       </p:ext>
     </p:extLst>
   </p:cSld>
   <p:clrMapOvr>
     <a:masterClrMapping/>
   </p:clrMapOvr>
+  <mc:AlternateContent xmlns:mc="http://schemas.openxmlformats.org/markup-compatibility/2006" xmlns:p14="http://schemas.microsoft.com/office/powerpoint/2010/main">
+    <mc:Choice Requires="p14">
+      <p:transition p14:dur="0"/>
+    </mc:Choice>
+    <mc:Fallback xmlns="">
+      <p:transition/>
+    </mc:Fallback>
+  </mc:AlternateContent>
   <p:timing>
     <p:tnLst>
       <p:par>
@@ -14599,102 +14641,68 @@
           <a:chExt cx="0" cy="0"/>
         </a:xfrm>
       </p:grpSpPr>
-      <p:pic>
-        <p:nvPicPr>
-          <p:cNvPr id="7" name="Content Placeholder 6"/>
-          <p:cNvPicPr>
-            <a:picLocks noGrp="1" noChangeAspect="1"/>
-          </p:cNvPicPr>
-          <p:nvPr>
-            <p:ph idx="4294967295"/>
-          </p:nvPr>
-        </p:nvPicPr>
-        <p:blipFill>
-          <a:blip r:embed="rId2">
-            <a:extLst>
-              <a:ext uri="{28A0092B-C50C-407E-A947-70E740481C1C}">
-                <a14:useLocalDpi xmlns:a14="http://schemas.microsoft.com/office/drawing/2010/main" val="0"/>
-              </a:ext>
-            </a:extLst>
-          </a:blip>
-          <a:stretch>
-            <a:fillRect/>
-          </a:stretch>
-        </p:blipFill>
-        <p:spPr>
-          <a:xfrm>
-            <a:off x="1308100" y="1663700"/>
-            <a:ext cx="4800600" cy="2822575"/>
-          </a:xfrm>
-        </p:spPr>
-      </p:pic>
-      <p:sp>
-        <p:nvSpPr>
-          <p:cNvPr id="9" name="Rectangle 2"/>
-          <p:cNvSpPr txBox="1">
-            <a:spLocks noChangeArrowheads="1"/>
-          </p:cNvSpPr>
-          <p:nvPr/>
-        </p:nvSpPr>
-        <p:spPr>
-          <a:xfrm>
-            <a:off x="-22860" y="89852"/>
-            <a:ext cx="7726680" cy="952501"/>
-          </a:xfrm>
-          <a:prstGeom prst="rect">
-            <a:avLst/>
-          </a:prstGeom>
-        </p:spPr>
-        <p:txBody>
-          <a:bodyPr vert="horz" lIns="91440" tIns="45720" rIns="91440" bIns="45720" rtlCol="0" anchor="ctr">
-            <a:noAutofit/>
-          </a:bodyPr>
-          <a:lstStyle>
-            <a:lvl1pPr algn="l" defTabSz="914400" rtl="0" eaLnBrk="1" latinLnBrk="0" hangingPunct="1">
-              <a:spcBef>
-                <a:spcPct val="0"/>
-              </a:spcBef>
-              <a:buNone/>
-              <a:defRPr sz="4400" kern="1200">
-                <a:solidFill>
-                  <a:schemeClr val="tx1"/>
-                </a:solidFill>
-                <a:latin typeface="+mj-lt"/>
-                <a:ea typeface="+mj-ea"/>
-                <a:cs typeface="+mj-cs"/>
-              </a:defRPr>
-            </a:lvl1pPr>
-          </a:lstStyle>
-          <a:p>
-            <a:pPr marL="698472" indent="-698472"/>
-            <a:r>
-              <a:rPr lang="en-US" b="1" dirty="0" smtClean="0">
-                <a:latin typeface="+mn-lt"/>
-              </a:rPr>
-              <a:t>Sniffer </a:t>
-            </a:r>
-            <a:r>
-              <a:rPr lang="en-US" b="1" dirty="0" err="1" smtClean="0">
-                <a:latin typeface="+mn-lt"/>
-              </a:rPr>
-              <a:t>với</a:t>
-            </a:r>
-            <a:r>
-              <a:rPr lang="en-US" b="1" dirty="0" smtClean="0">
-                <a:latin typeface="+mn-lt"/>
-              </a:rPr>
-              <a:t> ARP Poisoning</a:t>
-            </a:r>
-            <a:endParaRPr lang="en-US" b="1" dirty="0">
-              <a:latin typeface="+mn-lt"/>
-            </a:endParaRPr>
+      <p:sp>
+        <p:nvSpPr>
+          <p:cNvPr id="2" name="Picture Placeholder 1"/>
+          <p:cNvSpPr>
+            <a:spLocks noGrp="1"/>
+          </p:cNvSpPr>
+          <p:nvPr>
+            <p:ph type="pic" sz="quarter" idx="10"/>
+          </p:nvPr>
+        </p:nvSpPr>
+        <p:spPr/>
+      </p:sp>
+      <p:sp>
+        <p:nvSpPr>
+          <p:cNvPr id="3" name="Text Placeholder 2"/>
+          <p:cNvSpPr>
+            <a:spLocks noGrp="1"/>
+          </p:cNvSpPr>
+          <p:nvPr>
+            <p:ph type="body" sz="quarter" idx="11"/>
+          </p:nvPr>
+        </p:nvSpPr>
+        <p:spPr/>
+        <p:txBody>
+          <a:bodyPr/>
+          <a:lstStyle/>
+          <a:p>
+            <a:r>
+              <a:rPr lang="en-US" dirty="0" smtClean="0"/>
+              <a:t>Demo</a:t>
+            </a:r>
+            <a:endParaRPr lang="en-US" dirty="0"/>
+          </a:p>
+        </p:txBody>
+      </p:sp>
+      <p:sp>
+        <p:nvSpPr>
+          <p:cNvPr id="4" name="Text Placeholder 3"/>
+          <p:cNvSpPr>
+            <a:spLocks noGrp="1"/>
+          </p:cNvSpPr>
+          <p:nvPr>
+            <p:ph type="body" sz="quarter" idx="12"/>
+          </p:nvPr>
+        </p:nvSpPr>
+        <p:spPr/>
+        <p:txBody>
+          <a:bodyPr/>
+          <a:lstStyle/>
+          <a:p>
+            <a:r>
+              <a:rPr lang="vi-VN" sz="3600" dirty="0" smtClean="0"/>
+              <a:t>Nguyên lý hoạt động</a:t>
+            </a:r>
+            <a:endParaRPr lang="vi-VN" sz="3600" dirty="0"/>
           </a:p>
         </p:txBody>
       </p:sp>
     </p:spTree>
     <p:extLst>
       <p:ext uri="{BB962C8B-B14F-4D97-AF65-F5344CB8AC3E}">
-        <p14:creationId xmlns:p14="http://schemas.microsoft.com/office/powerpoint/2010/main" val="2909938908"/>
+        <p14:creationId xmlns:p14="http://schemas.microsoft.com/office/powerpoint/2010/main" val="773558818"/>
       </p:ext>
     </p:extLst>
   </p:cSld>
@@ -14728,147 +14736,108 @@
           <a:chExt cx="0" cy="0"/>
         </a:xfrm>
       </p:grpSpPr>
-      <p:sp>
-        <p:nvSpPr>
-          <p:cNvPr id="32770" name="Rectangle 2"/>
-          <p:cNvSpPr>
-            <a:spLocks noGrp="1" noChangeArrowheads="1"/>
-          </p:cNvSpPr>
-          <p:nvPr>
-            <p:ph type="title" idx="4294967295"/>
-          </p:nvPr>
+      <p:pic>
+        <p:nvPicPr>
+          <p:cNvPr id="7" name="Content Placeholder 6"/>
+          <p:cNvPicPr>
+            <a:picLocks noGrp="1" noChangeAspect="1"/>
+          </p:cNvPicPr>
+          <p:nvPr>
+            <p:ph idx="4294967295"/>
+          </p:nvPr>
+        </p:nvPicPr>
+        <p:blipFill>
+          <a:blip r:embed="rId2">
+            <a:extLst>
+              <a:ext uri="{28A0092B-C50C-407E-A947-70E740481C1C}">
+                <a14:useLocalDpi xmlns:a14="http://schemas.microsoft.com/office/drawing/2010/main" val="0"/>
+              </a:ext>
+            </a:extLst>
+          </a:blip>
+          <a:stretch>
+            <a:fillRect/>
+          </a:stretch>
+        </p:blipFill>
+        <p:spPr>
+          <a:xfrm>
+            <a:off x="1308100" y="1663700"/>
+            <a:ext cx="4800600" cy="2822575"/>
+          </a:xfrm>
+        </p:spPr>
+      </p:pic>
+      <p:sp>
+        <p:nvSpPr>
+          <p:cNvPr id="9" name="Rectangle 2"/>
+          <p:cNvSpPr txBox="1">
+            <a:spLocks noChangeArrowheads="1"/>
+          </p:cNvSpPr>
+          <p:nvPr/>
         </p:nvSpPr>
         <p:spPr>
           <a:xfrm>
             <a:off x="-22860" y="89852"/>
             <a:ext cx="7726680" cy="952501"/>
           </a:xfrm>
-        </p:spPr>
-        <p:txBody>
-          <a:bodyPr>
+          <a:prstGeom prst="rect">
+            <a:avLst/>
+          </a:prstGeom>
+        </p:spPr>
+        <p:txBody>
+          <a:bodyPr vert="horz" lIns="91440" tIns="45720" rIns="91440" bIns="45720" rtlCol="0" anchor="ctr">
             <a:noAutofit/>
           </a:bodyPr>
-          <a:lstStyle/>
+          <a:lstStyle>
+            <a:lvl1pPr algn="l" defTabSz="914400" rtl="0" eaLnBrk="1" latinLnBrk="0" hangingPunct="1">
+              <a:spcBef>
+                <a:spcPct val="0"/>
+              </a:spcBef>
+              <a:buNone/>
+              <a:defRPr sz="4400" kern="1200">
+                <a:solidFill>
+                  <a:schemeClr val="tx1"/>
+                </a:solidFill>
+                <a:latin typeface="+mj-lt"/>
+                <a:ea typeface="+mj-ea"/>
+                <a:cs typeface="+mj-cs"/>
+              </a:defRPr>
+            </a:lvl1pPr>
+          </a:lstStyle>
           <a:p>
             <a:pPr marL="698472" indent="-698472"/>
             <a:r>
-              <a:rPr lang="en-US" b="1" dirty="0">
+              <a:rPr lang="en-US" b="1" dirty="0" smtClean="0">
                 <a:latin typeface="+mn-lt"/>
               </a:rPr>
-              <a:t>Brute-Force Password Cracker</a:t>
-            </a:r>
-          </a:p>
-        </p:txBody>
-      </p:sp>
-      <p:sp>
-        <p:nvSpPr>
-          <p:cNvPr id="32771" name="Rectangle 3"/>
-          <p:cNvSpPr>
-            <a:spLocks noGrp="1" noChangeArrowheads="1"/>
-          </p:cNvSpPr>
-          <p:nvPr>
-            <p:ph type="body" sz="quarter" idx="4294967295"/>
-          </p:nvPr>
-        </p:nvSpPr>
-        <p:spPr>
-          <a:xfrm>
-            <a:off x="160020" y="1157288"/>
-            <a:ext cx="7303770" cy="3998912"/>
-          </a:xfrm>
-        </p:spPr>
-        <p:txBody>
-          <a:bodyPr>
-            <a:noAutofit/>
-          </a:bodyPr>
-          <a:lstStyle/>
-          <a:p>
-            <a:pPr marL="0" lvl="0" indent="0" fontAlgn="t">
-              <a:buNone/>
-            </a:pPr>
-            <a:r>
-              <a:rPr lang="vi-VN" dirty="0" smtClean="0"/>
-              <a:t>Brute-Force </a:t>
-            </a:r>
-            <a:r>
-              <a:rPr lang="vi-VN" dirty="0"/>
-              <a:t>attack: là phương pháp phá vỡ thuật toán mã hóa bằng cách thử mỗi từ khóa. Tính khả thi phụ thuộc vào độ dài của mật khẩu. Số lượng từ khóa dùng để dò được tính bằng công thức </a:t>
-            </a:r>
-            <a:endParaRPr lang="en-US" dirty="0"/>
-          </a:p>
-          <a:p>
-            <a:pPr marL="0" indent="0" fontAlgn="base">
-              <a:buNone/>
-            </a:pPr>
-            <a:r>
-              <a:rPr lang="vi-VN" b="1" dirty="0"/>
-              <a:t>KS = L^(m) + L^(m+1) + L^(m+2) + ........ + L^(M)</a:t>
-            </a:r>
-            <a:endParaRPr lang="en-US" dirty="0"/>
-          </a:p>
-          <a:p>
-            <a:pPr marL="0" indent="0" fontAlgn="base">
-              <a:buNone/>
-            </a:pPr>
-            <a:r>
-              <a:rPr lang="vi-VN" dirty="0"/>
-              <a:t>Trong đó: </a:t>
-            </a:r>
-            <a:endParaRPr lang="en-US" dirty="0"/>
-          </a:p>
-          <a:p>
-            <a:pPr marL="400050" lvl="1" indent="0" fontAlgn="base">
-              <a:buNone/>
-            </a:pPr>
-            <a:r>
-              <a:rPr lang="vi-VN" dirty="0" smtClean="0"/>
-              <a:t>L </a:t>
-            </a:r>
-            <a:r>
-              <a:rPr lang="vi-VN" dirty="0"/>
-              <a:t>= character set length</a:t>
-            </a:r>
-            <a:endParaRPr lang="en-US" dirty="0"/>
-          </a:p>
-          <a:p>
-            <a:pPr marL="400050" lvl="1" indent="0" fontAlgn="base">
-              <a:buNone/>
-            </a:pPr>
-            <a:r>
-              <a:rPr lang="vi-VN" dirty="0"/>
-              <a:t>m = min length of the key</a:t>
-            </a:r>
-            <a:endParaRPr lang="en-US" dirty="0"/>
-          </a:p>
-          <a:p>
-            <a:pPr marL="400050" lvl="1" indent="0" fontAlgn="base">
-              <a:buNone/>
-            </a:pPr>
-            <a:r>
-              <a:rPr lang="vi-VN" dirty="0"/>
-              <a:t>M = max length of the key</a:t>
-            </a:r>
-            <a:endParaRPr lang="en-US" dirty="0"/>
+              <a:t>Sniffer </a:t>
+            </a:r>
+            <a:r>
+              <a:rPr lang="en-US" b="1" dirty="0" err="1" smtClean="0">
+                <a:latin typeface="+mn-lt"/>
+              </a:rPr>
+              <a:t>với</a:t>
+            </a:r>
+            <a:r>
+              <a:rPr lang="en-US" b="1" dirty="0" smtClean="0">
+                <a:latin typeface="+mn-lt"/>
+              </a:rPr>
+              <a:t> ARP Poisoning</a:t>
+            </a:r>
+            <a:endParaRPr lang="en-US" b="1" dirty="0">
+              <a:latin typeface="+mn-lt"/>
+            </a:endParaRPr>
           </a:p>
         </p:txBody>
       </p:sp>
     </p:spTree>
     <p:extLst>
       <p:ext uri="{BB962C8B-B14F-4D97-AF65-F5344CB8AC3E}">
-        <p14:creationId xmlns:p14="http://schemas.microsoft.com/office/powerpoint/2010/main" val="729003051"/>
+        <p14:creationId xmlns:p14="http://schemas.microsoft.com/office/powerpoint/2010/main" val="2909938908"/>
       </p:ext>
     </p:extLst>
   </p:cSld>
   <p:clrMapOvr>
     <a:masterClrMapping/>
   </p:clrMapOvr>
-  <mc:AlternateContent xmlns:mc="http://schemas.openxmlformats.org/markup-compatibility/2006" xmlns:p14="http://schemas.microsoft.com/office/powerpoint/2010/main">
-    <mc:Choice Requires="p14">
-      <p:transition p14:dur="0"/>
-    </mc:Choice>
-    <mc:Fallback xmlns="">
-      <p:transition/>
-    </mc:Fallback>
-  </mc:AlternateContent>
   <p:timing>
     <p:tnLst>
       <p:par>
@@ -14920,14 +14889,11 @@
           <a:p>
             <a:pPr marL="698472" indent="-698472"/>
             <a:r>
-              <a:rPr lang="en-US" b="1" dirty="0" smtClean="0">
+              <a:rPr lang="en-US" b="1" dirty="0">
                 <a:latin typeface="+mn-lt"/>
               </a:rPr>
-              <a:t>Dictionary Attack</a:t>
-            </a:r>
-            <a:endParaRPr lang="en-US" b="1" dirty="0">
-              <a:latin typeface="+mn-lt"/>
-            </a:endParaRPr>
+              <a:t>Brute-Force Password Cracker</a:t>
+            </a:r>
           </a:p>
         </p:txBody>
       </p:sp>
@@ -14944,7 +14910,7 @@
         <p:spPr>
           <a:xfrm>
             <a:off x="160020" y="1157288"/>
-            <a:ext cx="7303770" cy="3163252"/>
+            <a:ext cx="7303770" cy="3998912"/>
           </a:xfrm>
         </p:spPr>
         <p:txBody>
@@ -14953,47 +14919,79 @@
           </a:bodyPr>
           <a:lstStyle/>
           <a:p>
+            <a:pPr marL="0" lvl="0" indent="0" fontAlgn="t">
+              <a:buNone/>
+            </a:pPr>
+            <a:r>
+              <a:rPr lang="vi-VN" dirty="0" smtClean="0"/>
+              <a:t>Brute-Force </a:t>
+            </a:r>
+            <a:r>
+              <a:rPr lang="vi-VN" dirty="0"/>
+              <a:t>attack: là phương pháp phá vỡ thuật toán mã hóa bằng cách thử mỗi từ khóa. Tính khả thi phụ thuộc vào độ dài của mật khẩu. Số lượng từ khóa dùng để dò được tính bằng công thức </a:t>
+            </a:r>
+            <a:endParaRPr lang="en-US" dirty="0"/>
+          </a:p>
+          <a:p>
             <a:pPr marL="0" indent="0" fontAlgn="base">
               <a:buNone/>
             </a:pPr>
             <a:r>
+              <a:rPr lang="vi-VN" b="1" dirty="0"/>
+              <a:t>KS = L^(m) + L^(m+1) + L^(m+2) + ........ + L^(M)</a:t>
+            </a:r>
+            <a:endParaRPr lang="en-US" dirty="0"/>
+          </a:p>
+          <a:p>
+            <a:pPr marL="0" indent="0" fontAlgn="base">
+              <a:buNone/>
+            </a:pPr>
+            <a:r>
               <a:rPr lang="vi-VN" dirty="0"/>
-              <a:t>Dictionary là phương pháp tấn công dùng những từ khóa có sẵn trong một list cho trước</a:t>
-            </a:r>
+              <a:t>Trong đó: </a:t>
+            </a:r>
+            <a:endParaRPr lang="en-US" dirty="0"/>
+          </a:p>
+          <a:p>
+            <a:pPr marL="400050" lvl="1" indent="0" fontAlgn="base">
+              <a:buNone/>
+            </a:pPr>
             <a:r>
               <a:rPr lang="vi-VN" dirty="0" smtClean="0"/>
-              <a:t>.</a:t>
-            </a:r>
-            <a:endParaRPr lang="en-US" dirty="0" smtClean="0"/>
-          </a:p>
-          <a:p>
-            <a:pPr marL="0" indent="0" fontAlgn="base">
+              <a:t>L </a:t>
+            </a:r>
+            <a:r>
+              <a:rPr lang="vi-VN" dirty="0"/>
+              <a:t>= character set length</a:t>
+            </a:r>
+            <a:endParaRPr lang="en-US" dirty="0"/>
+          </a:p>
+          <a:p>
+            <a:pPr marL="400050" lvl="1" indent="0" fontAlgn="base">
               <a:buNone/>
             </a:pPr>
+            <a:r>
+              <a:rPr lang="vi-VN" dirty="0"/>
+              <a:t>m = min length of the key</a:t>
+            </a:r>
             <a:endParaRPr lang="en-US" dirty="0"/>
           </a:p>
           <a:p>
-            <a:pPr marL="0" indent="0" fontAlgn="base">
+            <a:pPr marL="400050" lvl="1" indent="0" fontAlgn="base">
               <a:buNone/>
             </a:pPr>
             <a:r>
               <a:rPr lang="vi-VN" dirty="0"/>
-              <a:t>Trong từ điển có thể có từ “password “. Kiểu tấn công này tự động dò tìm và phụ thêm các ký tự đảo ví dụ như “drowssap” hoặc tự động thêm các con số ví dụ như password00, password99.. hoặc là tự viết hoa các ký tự  ví dụ Password, pAssword ,… , password</a:t>
+              <a:t>M = max length of the key</a:t>
             </a:r>
             <a:endParaRPr lang="en-US" dirty="0"/>
-          </a:p>
-          <a:p>
-            <a:pPr marL="0" indent="0">
-              <a:buNone/>
-            </a:pPr>
-            <a:endParaRPr lang="vi-VN" dirty="0"/>
           </a:p>
         </p:txBody>
       </p:sp>
     </p:spTree>
     <p:extLst>
       <p:ext uri="{BB962C8B-B14F-4D97-AF65-F5344CB8AC3E}">
-        <p14:creationId xmlns:p14="http://schemas.microsoft.com/office/powerpoint/2010/main" val="3242682033"/>
+        <p14:creationId xmlns:p14="http://schemas.microsoft.com/office/powerpoint/2010/main" val="729003051"/>
       </p:ext>
     </p:extLst>
   </p:cSld>
@@ -15035,6 +15033,145 @@
           <a:chExt cx="0" cy="0"/>
         </a:xfrm>
       </p:grpSpPr>
+      <p:sp>
+        <p:nvSpPr>
+          <p:cNvPr id="32770" name="Rectangle 2"/>
+          <p:cNvSpPr>
+            <a:spLocks noGrp="1" noChangeArrowheads="1"/>
+          </p:cNvSpPr>
+          <p:nvPr>
+            <p:ph type="title" idx="4294967295"/>
+          </p:nvPr>
+        </p:nvSpPr>
+        <p:spPr>
+          <a:xfrm>
+            <a:off x="-22860" y="89852"/>
+            <a:ext cx="7726680" cy="952501"/>
+          </a:xfrm>
+        </p:spPr>
+        <p:txBody>
+          <a:bodyPr>
+            <a:noAutofit/>
+          </a:bodyPr>
+          <a:lstStyle/>
+          <a:p>
+            <a:pPr marL="698472" indent="-698472"/>
+            <a:r>
+              <a:rPr lang="en-US" b="1" dirty="0" smtClean="0">
+                <a:latin typeface="+mn-lt"/>
+              </a:rPr>
+              <a:t>Dictionary Attack</a:t>
+            </a:r>
+            <a:endParaRPr lang="en-US" b="1" dirty="0">
+              <a:latin typeface="+mn-lt"/>
+            </a:endParaRPr>
+          </a:p>
+        </p:txBody>
+      </p:sp>
+      <p:sp>
+        <p:nvSpPr>
+          <p:cNvPr id="32771" name="Rectangle 3"/>
+          <p:cNvSpPr>
+            <a:spLocks noGrp="1" noChangeArrowheads="1"/>
+          </p:cNvSpPr>
+          <p:nvPr>
+            <p:ph type="body" sz="quarter" idx="4294967295"/>
+          </p:nvPr>
+        </p:nvSpPr>
+        <p:spPr>
+          <a:xfrm>
+            <a:off x="160020" y="1157288"/>
+            <a:ext cx="7303770" cy="3163252"/>
+          </a:xfrm>
+        </p:spPr>
+        <p:txBody>
+          <a:bodyPr>
+            <a:noAutofit/>
+          </a:bodyPr>
+          <a:lstStyle/>
+          <a:p>
+            <a:pPr marL="0" indent="0" fontAlgn="base">
+              <a:buNone/>
+            </a:pPr>
+            <a:r>
+              <a:rPr lang="vi-VN" dirty="0"/>
+              <a:t>Dictionary là phương pháp tấn công dùng những từ khóa có sẵn trong một list cho trước</a:t>
+            </a:r>
+            <a:r>
+              <a:rPr lang="vi-VN" dirty="0" smtClean="0"/>
+              <a:t>.</a:t>
+            </a:r>
+            <a:endParaRPr lang="en-US" dirty="0" smtClean="0"/>
+          </a:p>
+          <a:p>
+            <a:pPr marL="0" indent="0" fontAlgn="base">
+              <a:buNone/>
+            </a:pPr>
+            <a:endParaRPr lang="en-US" dirty="0"/>
+          </a:p>
+          <a:p>
+            <a:pPr marL="0" indent="0" fontAlgn="base">
+              <a:buNone/>
+            </a:pPr>
+            <a:r>
+              <a:rPr lang="vi-VN" dirty="0"/>
+              <a:t>Trong từ điển có thể có từ “password “. Kiểu tấn công này tự động dò tìm và phụ thêm các ký tự đảo ví dụ như “drowssap” hoặc tự động thêm các con số ví dụ như password00, password99.. hoặc là tự viết hoa các ký tự  ví dụ Password, pAssword ,… , password</a:t>
+            </a:r>
+            <a:endParaRPr lang="en-US" dirty="0"/>
+          </a:p>
+          <a:p>
+            <a:pPr marL="0" indent="0">
+              <a:buNone/>
+            </a:pPr>
+            <a:endParaRPr lang="vi-VN" dirty="0"/>
+          </a:p>
+        </p:txBody>
+      </p:sp>
+    </p:spTree>
+    <p:extLst>
+      <p:ext uri="{BB962C8B-B14F-4D97-AF65-F5344CB8AC3E}">
+        <p14:creationId xmlns:p14="http://schemas.microsoft.com/office/powerpoint/2010/main" val="3242682033"/>
+      </p:ext>
+    </p:extLst>
+  </p:cSld>
+  <p:clrMapOvr>
+    <a:masterClrMapping/>
+  </p:clrMapOvr>
+  <mc:AlternateContent xmlns:mc="http://schemas.openxmlformats.org/markup-compatibility/2006" xmlns:p14="http://schemas.microsoft.com/office/powerpoint/2010/main">
+    <mc:Choice Requires="p14">
+      <p:transition p14:dur="0"/>
+    </mc:Choice>
+    <mc:Fallback xmlns="">
+      <p:transition/>
+    </mc:Fallback>
+  </mc:AlternateContent>
+  <p:timing>
+    <p:tnLst>
+      <p:par>
+        <p:cTn id="1" dur="indefinite" restart="never" nodeType="tmRoot"/>
+      </p:par>
+    </p:tnLst>
+  </p:timing>
+</p:sld>
+</file>
+
+<file path=ppt/slides/slide36.xml><?xml version="1.0" encoding="utf-8"?>
+<p:sld xmlns:a="http://schemas.openxmlformats.org/drawingml/2006/main" xmlns:r="http://schemas.openxmlformats.org/officeDocument/2006/relationships" xmlns:p="http://schemas.openxmlformats.org/presentationml/2006/main">
+  <p:cSld>
+    <p:spTree>
+      <p:nvGrpSpPr>
+        <p:cNvPr id="1" name=""/>
+        <p:cNvGrpSpPr/>
+        <p:nvPr/>
+      </p:nvGrpSpPr>
+      <p:grpSpPr>
+        <a:xfrm>
+          <a:off x="0" y="0"/>
+          <a:ext cx="0" cy="0"/>
+          <a:chOff x="0" y="0"/>
+          <a:chExt cx="0" cy="0"/>
+        </a:xfrm>
+      </p:grpSpPr>
       <p:pic>
         <p:nvPicPr>
           <p:cNvPr id="4" name="Content Placeholder 3"/>
@@ -15141,7 +15278,7 @@
 </p:sld>
 </file>
 
-<file path=ppt/slides/slide36.xml><?xml version="1.0" encoding="utf-8"?>
+<file path=ppt/slides/slide37.xml><?xml version="1.0" encoding="utf-8"?>
 <p:sld xmlns:a="http://schemas.openxmlformats.org/drawingml/2006/main" xmlns:r="http://schemas.openxmlformats.org/officeDocument/2006/relationships" xmlns:p="http://schemas.openxmlformats.org/presentationml/2006/main">
   <p:cSld>
     <p:spTree>
@@ -15448,143 +15585,6 @@
 </p:sld>
 </file>
 
-<file path=ppt/slides/slide37.xml><?xml version="1.0" encoding="utf-8"?>
-<p:sld xmlns:a="http://schemas.openxmlformats.org/drawingml/2006/main" xmlns:r="http://schemas.openxmlformats.org/officeDocument/2006/relationships" xmlns:p="http://schemas.openxmlformats.org/presentationml/2006/main">
-  <p:cSld>
-    <p:spTree>
-      <p:nvGrpSpPr>
-        <p:cNvPr id="1" name=""/>
-        <p:cNvGrpSpPr/>
-        <p:nvPr/>
-      </p:nvGrpSpPr>
-      <p:grpSpPr>
-        <a:xfrm>
-          <a:off x="0" y="0"/>
-          <a:ext cx="0" cy="0"/>
-          <a:chOff x="0" y="0"/>
-          <a:chExt cx="0" cy="0"/>
-        </a:xfrm>
-      </p:grpSpPr>
-      <p:pic>
-        <p:nvPicPr>
-          <p:cNvPr id="52228" name="Picture 4"/>
-          <p:cNvPicPr>
-            <a:picLocks noChangeAspect="1" noChangeArrowheads="1"/>
-          </p:cNvPicPr>
-          <p:nvPr/>
-        </p:nvPicPr>
-        <p:blipFill>
-          <a:blip r:embed="rId3">
-            <a:extLst>
-              <a:ext uri="{28A0092B-C50C-407E-A947-70E740481C1C}">
-                <a14:useLocalDpi xmlns:a14="http://schemas.microsoft.com/office/drawing/2010/main" val="0"/>
-              </a:ext>
-            </a:extLst>
-          </a:blip>
-          <a:srcRect/>
-          <a:stretch>
-            <a:fillRect/>
-          </a:stretch>
-        </p:blipFill>
-        <p:spPr bwMode="auto">
-          <a:xfrm>
-            <a:off x="444500" y="1206500"/>
-            <a:ext cx="6731000" cy="3862917"/>
-          </a:xfrm>
-          <a:prstGeom prst="rect">
-            <a:avLst/>
-          </a:prstGeom>
-          <a:noFill/>
-          <a:ln>
-            <a:noFill/>
-          </a:ln>
-          <a:effectLst/>
-          <a:extLst>
-            <a:ext uri="{909E8E84-426E-40DD-AFC4-6F175D3DCCD1}">
-              <a14:hiddenFill xmlns:a14="http://schemas.microsoft.com/office/drawing/2010/main">
-                <a:solidFill>
-                  <a:schemeClr val="accent1"/>
-                </a:solidFill>
-              </a14:hiddenFill>
-            </a:ext>
-            <a:ext uri="{91240B29-F687-4F45-9708-019B960494DF}">
-              <a14:hiddenLine xmlns:a14="http://schemas.microsoft.com/office/drawing/2010/main" w="9525">
-                <a:solidFill>
-                  <a:schemeClr val="tx1"/>
-                </a:solidFill>
-                <a:miter lim="800000"/>
-                <a:headEnd/>
-                <a:tailEnd/>
-              </a14:hiddenLine>
-            </a:ext>
-            <a:ext uri="{AF507438-7753-43E0-B8FC-AC1667EBCBE1}">
-              <a14:hiddenEffects xmlns:a14="http://schemas.microsoft.com/office/drawing/2010/main">
-                <a:effectLst>
-                  <a:outerShdw dist="35921" dir="2700000" algn="ctr" rotWithShape="0">
-                    <a:schemeClr val="bg2"/>
-                  </a:outerShdw>
-                </a:effectLst>
-              </a14:hiddenEffects>
-            </a:ext>
-          </a:extLst>
-        </p:spPr>
-      </p:pic>
-      <p:sp>
-        <p:nvSpPr>
-          <p:cNvPr id="5" name="Rectangle 4"/>
-          <p:cNvSpPr/>
-          <p:nvPr/>
-        </p:nvSpPr>
-        <p:spPr>
-          <a:xfrm>
-            <a:off x="0" y="137219"/>
-            <a:ext cx="6947608" cy="769441"/>
-          </a:xfrm>
-          <a:prstGeom prst="rect">
-            <a:avLst/>
-          </a:prstGeom>
-        </p:spPr>
-        <p:txBody>
-          <a:bodyPr wrap="none">
-            <a:spAutoFit/>
-          </a:bodyPr>
-          <a:lstStyle/>
-          <a:p>
-            <a:r>
-              <a:rPr lang="en-US" sz="4400" b="1" dirty="0"/>
-              <a:t>Remote LSA Secrets Dumper </a:t>
-            </a:r>
-          </a:p>
-        </p:txBody>
-      </p:sp>
-    </p:spTree>
-    <p:extLst>
-      <p:ext uri="{BB962C8B-B14F-4D97-AF65-F5344CB8AC3E}">
-        <p14:creationId xmlns:p14="http://schemas.microsoft.com/office/powerpoint/2010/main" val="3536420717"/>
-      </p:ext>
-    </p:extLst>
-  </p:cSld>
-  <p:clrMapOvr>
-    <a:masterClrMapping/>
-  </p:clrMapOvr>
-  <mc:AlternateContent xmlns:mc="http://schemas.openxmlformats.org/markup-compatibility/2006" xmlns:p14="http://schemas.microsoft.com/office/powerpoint/2010/main">
-    <mc:Choice Requires="p14">
-      <p:transition p14:dur="0"/>
-    </mc:Choice>
-    <mc:Fallback xmlns="">
-      <p:transition/>
-    </mc:Fallback>
-  </mc:AlternateContent>
-  <p:timing>
-    <p:tnLst>
-      <p:par>
-        <p:cTn id="1" dur="indefinite" restart="never" nodeType="tmRoot"/>
-      </p:par>
-    </p:tnLst>
-  </p:timing>
-</p:sld>
-</file>
-
 <file path=ppt/slides/slide38.xml><?xml version="1.0" encoding="utf-8"?>
 <p:sld xmlns:a="http://schemas.openxmlformats.org/drawingml/2006/main" xmlns:r="http://schemas.openxmlformats.org/officeDocument/2006/relationships" xmlns:p="http://schemas.openxmlformats.org/presentationml/2006/main">
   <p:cSld>
@@ -15828,11 +15828,11 @@
   <p:clrMapOvr>
     <a:masterClrMapping/>
   </p:clrMapOvr>
-  <mc:AlternateContent xmlns:mc="http://schemas.openxmlformats.org/markup-compatibility/2006">
-    <mc:Choice xmlns:p14="http://schemas.microsoft.com/office/powerpoint/2010/main" Requires="p14">
+  <mc:AlternateContent xmlns:mc="http://schemas.openxmlformats.org/markup-compatibility/2006" xmlns:p14="http://schemas.microsoft.com/office/powerpoint/2010/main">
+    <mc:Choice Requires="p14">
       <p:transition p14:dur="0"/>
     </mc:Choice>
-    <mc:Fallback>
+    <mc:Fallback xmlns="">
       <p:transition/>
     </mc:Fallback>
   </mc:AlternateContent>
@@ -18189,7 +18189,7 @@
   <a:extraClrSchemeLst/>
   <a:extLst>
     <a:ext uri="{05A4C25C-085E-4340-85A3-A5531E510DB2}">
-      <thm15:themeFamily xmlns="" xmlns:thm15="http://schemas.microsoft.com/office/thememl/2012/main" name="Office Theme" id="{62F939B6-93AF-4DB8-9C6B-D6C7DFDC589F}" vid="{4A3C46E8-61CC-4603-A589-7422A47A8E4A}"/>
+      <thm15:themeFamily xmlns:thm15="http://schemas.microsoft.com/office/thememl/2012/main" xmlns="" name="Office Theme" id="{62F939B6-93AF-4DB8-9C6B-D6C7DFDC589F}" vid="{4A3C46E8-61CC-4603-A589-7422A47A8E4A}"/>
     </a:ext>
   </a:extLst>
 </a:theme>

--- a/CDBM/Team Assignment 01/Team02-edit-new.pptx
+++ b/CDBM/Team Assignment 01/Team02-edit-new.pptx
@@ -150,7 +150,7 @@
   </p:defaultTextStyle>
   <p:extLst>
     <p:ext uri="{EFAFB233-063F-42B5-8137-9DF3F51BA10A}">
-      <p15:sldGuideLst xmlns:p15="http://schemas.microsoft.com/office/powerpoint/2012/main" xmlns="">
+      <p15:sldGuideLst xmlns="" xmlns:p15="http://schemas.microsoft.com/office/powerpoint/2012/main">
         <p15:guide id="1" orient="horz" pos="1800" userDrawn="1">
           <p15:clr>
             <a:srgbClr val="A4A3A4"/>
@@ -14736,15 +14736,76 @@
           <a:chExt cx="0" cy="0"/>
         </a:xfrm>
       </p:grpSpPr>
+      <p:sp>
+        <p:nvSpPr>
+          <p:cNvPr id="9" name="Rectangle 2"/>
+          <p:cNvSpPr txBox="1">
+            <a:spLocks noChangeArrowheads="1"/>
+          </p:cNvSpPr>
+          <p:nvPr/>
+        </p:nvSpPr>
+        <p:spPr>
+          <a:xfrm>
+            <a:off x="-22860" y="89852"/>
+            <a:ext cx="7726680" cy="952501"/>
+          </a:xfrm>
+          <a:prstGeom prst="rect">
+            <a:avLst/>
+          </a:prstGeom>
+        </p:spPr>
+        <p:txBody>
+          <a:bodyPr vert="horz" lIns="91440" tIns="45720" rIns="91440" bIns="45720" rtlCol="0" anchor="ctr">
+            <a:noAutofit/>
+          </a:bodyPr>
+          <a:lstStyle>
+            <a:lvl1pPr algn="l" defTabSz="914400" rtl="0" eaLnBrk="1" latinLnBrk="0" hangingPunct="1">
+              <a:spcBef>
+                <a:spcPct val="0"/>
+              </a:spcBef>
+              <a:buNone/>
+              <a:defRPr sz="4400" kern="1200">
+                <a:solidFill>
+                  <a:schemeClr val="tx1"/>
+                </a:solidFill>
+                <a:latin typeface="+mj-lt"/>
+                <a:ea typeface="+mj-ea"/>
+                <a:cs typeface="+mj-cs"/>
+              </a:defRPr>
+            </a:lvl1pPr>
+          </a:lstStyle>
+          <a:p>
+            <a:pPr marL="698472" indent="-698472"/>
+            <a:r>
+              <a:rPr lang="en-US" b="1" dirty="0" smtClean="0">
+                <a:latin typeface="+mn-lt"/>
+              </a:rPr>
+              <a:t>Sniffer </a:t>
+            </a:r>
+            <a:r>
+              <a:rPr lang="en-US" b="1" dirty="0" err="1" smtClean="0">
+                <a:latin typeface="+mn-lt"/>
+              </a:rPr>
+              <a:t>với</a:t>
+            </a:r>
+            <a:r>
+              <a:rPr lang="en-US" b="1" dirty="0" smtClean="0">
+                <a:latin typeface="+mn-lt"/>
+              </a:rPr>
+              <a:t> ARP Poisoning</a:t>
+            </a:r>
+            <a:endParaRPr lang="en-US" b="1" dirty="0">
+              <a:latin typeface="+mn-lt"/>
+            </a:endParaRPr>
+          </a:p>
+        </p:txBody>
+      </p:sp>
       <p:pic>
         <p:nvPicPr>
-          <p:cNvPr id="7" name="Content Placeholder 6"/>
+          <p:cNvPr id="3" name="Picture 2"/>
           <p:cNvPicPr>
-            <a:picLocks noGrp="1" noChangeAspect="1"/>
+            <a:picLocks noChangeAspect="1"/>
           </p:cNvPicPr>
-          <p:nvPr>
-            <p:ph idx="4294967295"/>
-          </p:nvPr>
+          <p:nvPr/>
         </p:nvPicPr>
         <p:blipFill>
           <a:blip r:embed="rId2">
@@ -14760,74 +14821,14 @@
         </p:blipFill>
         <p:spPr>
           <a:xfrm>
-            <a:off x="1308100" y="1663700"/>
-            <a:ext cx="4800600" cy="2822575"/>
-          </a:xfrm>
-        </p:spPr>
-      </p:pic>
-      <p:sp>
-        <p:nvSpPr>
-          <p:cNvPr id="9" name="Rectangle 2"/>
-          <p:cNvSpPr txBox="1">
-            <a:spLocks noChangeArrowheads="1"/>
-          </p:cNvSpPr>
-          <p:nvPr/>
-        </p:nvSpPr>
-        <p:spPr>
-          <a:xfrm>
-            <a:off x="-22860" y="89852"/>
-            <a:ext cx="7726680" cy="952501"/>
+            <a:off x="1361388" y="1961388"/>
+            <a:ext cx="4958184" cy="2915412"/>
           </a:xfrm>
           <a:prstGeom prst="rect">
             <a:avLst/>
           </a:prstGeom>
         </p:spPr>
-        <p:txBody>
-          <a:bodyPr vert="horz" lIns="91440" tIns="45720" rIns="91440" bIns="45720" rtlCol="0" anchor="ctr">
-            <a:noAutofit/>
-          </a:bodyPr>
-          <a:lstStyle>
-            <a:lvl1pPr algn="l" defTabSz="914400" rtl="0" eaLnBrk="1" latinLnBrk="0" hangingPunct="1">
-              <a:spcBef>
-                <a:spcPct val="0"/>
-              </a:spcBef>
-              <a:buNone/>
-              <a:defRPr sz="4400" kern="1200">
-                <a:solidFill>
-                  <a:schemeClr val="tx1"/>
-                </a:solidFill>
-                <a:latin typeface="+mj-lt"/>
-                <a:ea typeface="+mj-ea"/>
-                <a:cs typeface="+mj-cs"/>
-              </a:defRPr>
-            </a:lvl1pPr>
-          </a:lstStyle>
-          <a:p>
-            <a:pPr marL="698472" indent="-698472"/>
-            <a:r>
-              <a:rPr lang="en-US" b="1" dirty="0" smtClean="0">
-                <a:latin typeface="+mn-lt"/>
-              </a:rPr>
-              <a:t>Sniffer </a:t>
-            </a:r>
-            <a:r>
-              <a:rPr lang="en-US" b="1" dirty="0" err="1" smtClean="0">
-                <a:latin typeface="+mn-lt"/>
-              </a:rPr>
-              <a:t>với</a:t>
-            </a:r>
-            <a:r>
-              <a:rPr lang="en-US" b="1" dirty="0" smtClean="0">
-                <a:latin typeface="+mn-lt"/>
-              </a:rPr>
-              <a:t> ARP Poisoning</a:t>
-            </a:r>
-            <a:endParaRPr lang="en-US" b="1" dirty="0">
-              <a:latin typeface="+mn-lt"/>
-            </a:endParaRPr>
-          </a:p>
-        </p:txBody>
-      </p:sp>
+      </p:pic>
     </p:spTree>
     <p:extLst>
       <p:ext uri="{BB962C8B-B14F-4D97-AF65-F5344CB8AC3E}">
@@ -18189,7 +18190,7 @@
   <a:extraClrSchemeLst/>
   <a:extLst>
     <a:ext uri="{05A4C25C-085E-4340-85A3-A5531E510DB2}">
-      <thm15:themeFamily xmlns:thm15="http://schemas.microsoft.com/office/thememl/2012/main" xmlns="" name="Office Theme" id="{62F939B6-93AF-4DB8-9C6B-D6C7DFDC589F}" vid="{4A3C46E8-61CC-4603-A589-7422A47A8E4A}"/>
+      <thm15:themeFamily xmlns="" xmlns:thm15="http://schemas.microsoft.com/office/thememl/2012/main" name="Office Theme" id="{62F939B6-93AF-4DB8-9C6B-D6C7DFDC589F}" vid="{4A3C46E8-61CC-4603-A589-7422A47A8E4A}"/>
     </a:ext>
   </a:extLst>
 </a:theme>
